--- a/inflearn01/doc/1.(심화)개발자가알아두면좋을네트워크개념.pptx
+++ b/inflearn01/doc/1.(심화)개발자가알아두면좋을네트워크개념.pptx
@@ -229,7 +229,7 @@
                 <a:latin typeface="맑은 고딕" panose="020B0503020000020004" pitchFamily="50" charset="-127"/>
                 <a:ea typeface="맑은 고딕" panose="020B0503020000020004" pitchFamily="50" charset="-127"/>
               </a:rPr>
-              <a:t>2021년 6월 24일</a:t>
+              <a:t>2021년 6월 25일</a:t>
             </a:fld>
             <a:endParaRPr lang="ko-KR" altLang="en-US">
               <a:latin typeface="맑은 고딕" panose="020B0503020000020004" pitchFamily="50" charset="-127"/>
@@ -415,7 +415,7 @@
             <a:fld id="{BE16EC8A-0758-4FA9-BF4D-3119057076D1}" type="datetime4">
               <a:rPr lang="ko-KR" altLang="en-US" smtClean="0"/>
               <a:pPr/>
-              <a:t>2021년 6월 24일</a:t>
+              <a:t>2021년 6월 25일</a:t>
             </a:fld>
             <a:endParaRPr lang="ko-KR" altLang="en-US"/>
           </a:p>
@@ -2897,7 +2897,7 @@
           <a:p>
             <a:fld id="{2A5B65E4-62A8-4988-B07B-5D6D443B14ED}" type="datetime4">
               <a:rPr lang="ko-KR" altLang="en-US" smtClean="0"/>
-              <a:t>2021년 6월 24일</a:t>
+              <a:t>2021년 6월 25일</a:t>
             </a:fld>
             <a:endParaRPr lang="ko-KR" altLang="en-US"/>
           </a:p>
@@ -3153,7 +3153,7 @@
           <a:p>
             <a:fld id="{58EB6286-0DE7-4336-9826-977AD102FCF2}" type="datetime4">
               <a:rPr lang="ko-KR" altLang="en-US" noProof="0" smtClean="0"/>
-              <a:t>2021년 6월 24일</a:t>
+              <a:t>2021년 6월 25일</a:t>
             </a:fld>
             <a:endParaRPr lang="ko-KR" altLang="en-US" noProof="0"/>
           </a:p>
@@ -3349,7 +3349,7 @@
             <a:pPr rtl="0"/>
             <a:fld id="{6A5419DA-7218-42E5-A443-F000500111E1}" type="datetime4">
               <a:rPr lang="ko-KR" altLang="en-US" noProof="0" smtClean="0"/>
-              <a:t>2021년 6월 24일</a:t>
+              <a:t>2021년 6월 25일</a:t>
             </a:fld>
             <a:endParaRPr lang="ko-KR" altLang="en-US" noProof="0"/>
           </a:p>
@@ -5750,7 +5750,7 @@
           <a:p>
             <a:fld id="{E498C52F-1DF1-4226-BAB6-C1E2EE4C9D62}" type="datetime4">
               <a:rPr lang="ko-KR" altLang="en-US" noProof="0" smtClean="0"/>
-              <a:t>2021년 6월 24일</a:t>
+              <a:t>2021년 6월 25일</a:t>
             </a:fld>
             <a:endParaRPr lang="ko-KR" altLang="en-US" noProof="0"/>
           </a:p>
@@ -6269,7 +6269,7 @@
           <a:p>
             <a:fld id="{7B1E1FFC-F755-4558-8D3C-A157D1A01A8A}" type="datetime4">
               <a:rPr lang="ko-KR" altLang="en-US" noProof="0" smtClean="0"/>
-              <a:t>2021년 6월 24일</a:t>
+              <a:t>2021년 6월 25일</a:t>
             </a:fld>
             <a:endParaRPr lang="ko-KR" altLang="en-US" noProof="0"/>
           </a:p>
@@ -6413,7 +6413,7 @@
             <a:pPr rtl="0"/>
             <a:fld id="{DA2A33C0-A4A8-4C90-B6DA-35B8CF58C816}" type="datetime4">
               <a:rPr lang="ko-KR" altLang="en-US" noProof="0" smtClean="0"/>
-              <a:t>2021년 6월 24일</a:t>
+              <a:t>2021년 6월 25일</a:t>
             </a:fld>
             <a:endParaRPr lang="ko-KR" altLang="en-US" noProof="0"/>
           </a:p>
@@ -8361,7 +8361,7 @@
           <a:p>
             <a:fld id="{53CB1B8F-A14A-4BE4-A9B9-3B263F04145C}" type="datetime4">
               <a:rPr lang="ko-KR" altLang="en-US" noProof="0" smtClean="0"/>
-              <a:t>2021년 6월 24일</a:t>
+              <a:t>2021년 6월 25일</a:t>
             </a:fld>
             <a:endParaRPr lang="ko-KR" altLang="en-US" noProof="0"/>
           </a:p>
@@ -10658,7 +10658,7 @@
           <a:p>
             <a:fld id="{5B9196A3-957C-4113-A568-B6ED9AEA3D01}" type="datetime4">
               <a:rPr lang="ko-KR" altLang="en-US" noProof="0" smtClean="0"/>
-              <a:t>2021년 6월 24일</a:t>
+              <a:t>2021년 6월 25일</a:t>
             </a:fld>
             <a:endParaRPr lang="ko-KR" altLang="en-US" noProof="0"/>
           </a:p>
@@ -14975,7 +14975,7 @@
           <a:p>
             <a:fld id="{28BEB146-D335-4DA5-9826-58595BCDBE2E}" type="datetime4">
               <a:rPr lang="ko-KR" altLang="en-US" noProof="0" smtClean="0"/>
-              <a:t>2021년 6월 24일</a:t>
+              <a:t>2021년 6월 25일</a:t>
             </a:fld>
             <a:endParaRPr lang="ko-KR" altLang="en-US" noProof="0"/>
           </a:p>
@@ -15513,7 +15513,7 @@
             <a:pPr lvl="1"/>
             <a:r>
               <a:rPr lang="ko-KR" altLang="en-US"/>
-              <a:t>사설아이피를 사용하는 서버에 접속할 수 있는 방법</a:t>
+              <a:t>사설아이피를 사용하는 외부서버에 접속할 수 있는 방법</a:t>
             </a:r>
             <a:endParaRPr lang="en-US" altLang="ko-KR"/>
           </a:p>
@@ -15537,7 +15537,7 @@
             <a:pPr lvl="1"/>
             <a:r>
               <a:rPr lang="ko-KR" altLang="en-US"/>
-              <a:t>아이피를 사용자 인증값으로 사용할 수 있는 방법</a:t>
+              <a:t>아이피를 사용자 식별자로 사용할 수 있는 방법</a:t>
             </a:r>
             <a:endParaRPr lang="en-US" altLang="ko-KR"/>
           </a:p>
@@ -16181,6 +16181,18 @@
             </a:r>
             <a:endParaRPr lang="en-US" altLang="ko-KR"/>
           </a:p>
+          <a:p>
+            <a:pPr lvl="1"/>
+            <a:r>
+              <a:rPr lang="en-US" altLang="ko-KR"/>
+              <a:t>MAC </a:t>
+            </a:r>
+            <a:r>
+              <a:rPr lang="ko-KR" altLang="en-US"/>
+              <a:t>정보는 전달되지 않음</a:t>
+            </a:r>
+            <a:endParaRPr lang="en-US" altLang="ko-KR"/>
+          </a:p>
         </p:txBody>
       </p:sp>
       <p:sp>
@@ -17493,7 +17505,7 @@
             </a:r>
             <a:r>
               <a:rPr lang="ko-KR" altLang="en-US"/>
-              <a:t>혼잡제어</a:t>
+              <a:t>혼잡제어 등</a:t>
             </a:r>
             <a:endParaRPr lang="en-US" altLang="ko-KR"/>
           </a:p>
@@ -17795,7 +17807,7 @@
         <p:spPr/>
         <p:txBody>
           <a:bodyPr>
-            <a:normAutofit lnSpcReduction="10000"/>
+            <a:normAutofit fontScale="92500" lnSpcReduction="10000"/>
           </a:bodyPr>
           <a:lstStyle/>
           <a:p>
@@ -17812,7 +17824,7 @@
             <a:pPr lvl="1"/>
             <a:r>
               <a:rPr lang="ko-KR" altLang="en-US"/>
-              <a:t>사설아이피를 사용하는 서버에 접속할 수 있는 방법</a:t>
+              <a:t>사설아이피를 사용하는 외부서버에 접속할 수 있는 방법</a:t>
             </a:r>
             <a:endParaRPr lang="en-US" altLang="ko-KR"/>
           </a:p>
@@ -17830,69 +17842,105 @@
               <a:rPr lang="ko-KR" altLang="en-US"/>
               <a:t>영역에 서버를 구성</a:t>
             </a:r>
+            <a:endParaRPr lang="en-US" altLang="ko-KR"/>
+          </a:p>
+          <a:p>
+            <a:pPr lvl="2"/>
+            <a:r>
+              <a:rPr lang="ko-KR" altLang="en-US"/>
+              <a:t>공인아이피를 할당받아 </a:t>
+            </a:r>
+            <a:r>
+              <a:rPr lang="en-US" altLang="ko-KR"/>
+              <a:t>STUN, TURN </a:t>
+            </a:r>
+            <a:r>
+              <a:rPr lang="ko-KR" altLang="en-US"/>
+              <a:t>등 기술 사용</a:t>
+            </a:r>
+            <a:endParaRPr lang="en-US" altLang="ko-KR"/>
+          </a:p>
+          <a:p>
+            <a:pPr lvl="1"/>
+            <a:r>
+              <a:rPr lang="ko-KR" altLang="en-US"/>
+              <a:t>웹 브라우저의 </a:t>
+            </a:r>
+            <a:r>
+              <a:rPr lang="en-US" altLang="ko-KR"/>
+              <a:t>MAC </a:t>
+            </a:r>
+            <a:r>
+              <a:rPr lang="ko-KR" altLang="en-US"/>
+              <a:t>주소를 알 수 있는 방법</a:t>
+            </a:r>
+            <a:endParaRPr lang="en-US" altLang="ko-KR"/>
+          </a:p>
+          <a:p>
+            <a:pPr lvl="2"/>
+            <a:r>
+              <a:rPr lang="ko-KR" altLang="en-US"/>
+              <a:t>사용자의 </a:t>
+            </a:r>
+            <a:r>
+              <a:rPr lang="en-US" altLang="ko-KR"/>
+              <a:t>MAC </a:t>
+            </a:r>
+            <a:r>
+              <a:rPr lang="ko-KR" altLang="en-US"/>
+              <a:t>주소를 알 방법은 없음</a:t>
+            </a:r>
+            <a:endParaRPr lang="en-US" altLang="ko-KR"/>
+          </a:p>
+          <a:p>
+            <a:pPr lvl="2"/>
+            <a:r>
+              <a:rPr lang="ko-KR" altLang="en-US"/>
+              <a:t>별도의 프로그램으로 수집할 수 있지만 개인정보수집 이슈 발생</a:t>
+            </a:r>
+            <a:endParaRPr lang="en-US" altLang="ko-KR"/>
+          </a:p>
+          <a:p>
+            <a:pPr lvl="1"/>
+            <a:r>
+              <a:rPr lang="ko-KR" altLang="en-US"/>
+              <a:t>아이피를 사용자 식별자로 사용할 수 있는 방법</a:t>
+            </a:r>
+            <a:endParaRPr lang="en-US" altLang="ko-KR"/>
+          </a:p>
+          <a:p>
+            <a:pPr lvl="2"/>
+            <a:r>
+              <a:rPr lang="ko-KR" altLang="en-US"/>
+              <a:t>논리적 아이피는 환경에 따라 변경 가능</a:t>
+            </a:r>
             <a:r>
               <a:rPr lang="en-US" altLang="ko-KR"/>
               <a:t>, </a:t>
             </a:r>
             <a:r>
               <a:rPr lang="ko-KR" altLang="en-US"/>
-              <a:t>접속</a:t>
+              <a:t>따라서 식별자로 사용 불가능</a:t>
             </a:r>
             <a:endParaRPr lang="en-US" altLang="ko-KR"/>
           </a:p>
           <a:p>
             <a:pPr lvl="1"/>
             <a:r>
+              <a:rPr lang="en-US" altLang="ko-KR"/>
+              <a:t>80 </a:t>
+            </a:r>
+            <a:r>
               <a:rPr lang="ko-KR" altLang="en-US"/>
-              <a:t>웹 브라우저의 </a:t>
-            </a:r>
-            <a:r>
-              <a:rPr lang="en-US" altLang="ko-KR"/>
-              <a:t>MAC </a:t>
-            </a:r>
+              <a:t>포트를 사용하는 톰캣을 여러 개 실행할 수 있는 방법</a:t>
+            </a:r>
+            <a:endParaRPr lang="en-US" altLang="ko-KR"/>
+          </a:p>
+          <a:p>
+            <a:pPr lvl="2"/>
             <a:r>
               <a:rPr lang="ko-KR" altLang="en-US"/>
-              <a:t>주소를 알 수 있는 방법</a:t>
-            </a:r>
-            <a:endParaRPr lang="en-US" altLang="ko-KR"/>
-          </a:p>
-          <a:p>
-            <a:pPr lvl="2"/>
-            <a:r>
-              <a:rPr lang="ko-KR" altLang="en-US"/>
-              <a:t>사용자의 </a:t>
-            </a:r>
-            <a:r>
-              <a:rPr lang="en-US" altLang="ko-KR"/>
-              <a:t>MAC </a:t>
-            </a:r>
-            <a:r>
-              <a:rPr lang="ko-KR" altLang="en-US"/>
-              <a:t>주소를 알 방법은 없음</a:t>
-            </a:r>
-            <a:endParaRPr lang="en-US" altLang="ko-KR"/>
-          </a:p>
-          <a:p>
-            <a:pPr lvl="2"/>
-            <a:r>
-              <a:rPr lang="ko-KR" altLang="en-US"/>
-              <a:t>별도의 프로그램으로 수집할 수 있지만 개인정보수집 이슈 발생</a:t>
-            </a:r>
-            <a:endParaRPr lang="en-US" altLang="ko-KR"/>
-          </a:p>
-          <a:p>
-            <a:pPr lvl="1"/>
-            <a:r>
-              <a:rPr lang="ko-KR" altLang="en-US"/>
-              <a:t>아이피를 사용자 인증값으로 사용할 수 있는 방법</a:t>
-            </a:r>
-            <a:endParaRPr lang="en-US" altLang="ko-KR"/>
-          </a:p>
-          <a:p>
-            <a:pPr lvl="2"/>
-            <a:r>
-              <a:rPr lang="ko-KR" altLang="en-US"/>
-              <a:t>논리적 아이피는 환경에 따라 변경 가능</a:t>
+              <a:t>포트는 운영체에에서 실행되는 프로세스를 식별할 수 있는 키</a:t>
             </a:r>
             <a:r>
               <a:rPr lang="en-US" altLang="ko-KR"/>
@@ -17900,43 +17948,15 @@
             </a:r>
             <a:r>
               <a:rPr lang="ko-KR" altLang="en-US"/>
-              <a:t>따라서 인증값으로 사용이 불가능</a:t>
+              <a:t>동시에 여러 개 실행은 불가능</a:t>
             </a:r>
             <a:endParaRPr lang="en-US" altLang="ko-KR"/>
           </a:p>
           <a:p>
-            <a:pPr lvl="1"/>
-            <a:r>
-              <a:rPr lang="en-US" altLang="ko-KR"/>
-              <a:t>80 </a:t>
-            </a:r>
+            <a:pPr lvl="2"/>
             <a:r>
               <a:rPr lang="ko-KR" altLang="en-US"/>
-              <a:t>포트를 사용하는 톰캣을 여러개 실행할 수 있는 방법</a:t>
-            </a:r>
-            <a:endParaRPr lang="en-US" altLang="ko-KR"/>
-          </a:p>
-          <a:p>
-            <a:pPr lvl="2"/>
-            <a:r>
-              <a:rPr lang="ko-KR" altLang="en-US"/>
-              <a:t>포트는 운영체에에서 실행되는 프로세스를 식별할 수 있는 키</a:t>
-            </a:r>
-            <a:r>
-              <a:rPr lang="en-US" altLang="ko-KR"/>
-              <a:t>, </a:t>
-            </a:r>
-            <a:r>
-              <a:rPr lang="ko-KR" altLang="en-US"/>
-              <a:t>여러개 실행은 불가능</a:t>
-            </a:r>
-            <a:endParaRPr lang="en-US" altLang="ko-KR"/>
-          </a:p>
-          <a:p>
-            <a:pPr lvl="2"/>
-            <a:r>
-              <a:rPr lang="ko-KR" altLang="en-US"/>
-              <a:t>하나의 컴퓨터에 여거래 가상화 환경을 준비하고 실행</a:t>
+              <a:t>하나의 컴퓨터에 여러 개 가상화 환경을 준비하고 실행</a:t>
             </a:r>
           </a:p>
         </p:txBody>
